--- a/Presentation Slide/Implementing a Cloud-based Architecture for Machine Learning and.pptx
+++ b/Presentation Slide/Implementing a Cloud-based Architecture for Machine Learning and.pptx
@@ -14,9 +14,12 @@
     <p:sldId id="263" r:id="rId8"/>
     <p:sldId id="264" r:id="rId9"/>
     <p:sldId id="267" r:id="rId10"/>
-    <p:sldId id="268" r:id="rId11"/>
-    <p:sldId id="269" r:id="rId12"/>
-    <p:sldId id="271" r:id="rId13"/>
+    <p:sldId id="273" r:id="rId11"/>
+    <p:sldId id="274" r:id="rId12"/>
+    <p:sldId id="275" r:id="rId13"/>
+    <p:sldId id="268" r:id="rId14"/>
+    <p:sldId id="269" r:id="rId15"/>
+    <p:sldId id="271" r:id="rId16"/>
   </p:sldIdLst>
   <p:sldSz cx="12192000" cy="6858000"/>
   <p:notesSz cx="6858000" cy="9144000"/>
@@ -115,6 +118,11 @@
       </a:defRPr>
     </a:lvl9pPr>
   </p:defaultTextStyle>
+  <p:extLst>
+    <p:ext uri="{EFAFB233-063F-42B5-8137-9DF3F51BA10A}">
+      <p15:sldGuideLst xmlns:p15="http://schemas.microsoft.com/office/powerpoint/2012/main"/>
+    </p:ext>
+  </p:extLst>
 </p:presentation>
 </file>
 
@@ -7838,6 +7846,478 @@
 <file path=ppt/slides/slide10.xml><?xml version="1.0" encoding="utf-8"?>
 <p:sld xmlns:a="http://schemas.openxmlformats.org/drawingml/2006/main" xmlns:r="http://schemas.openxmlformats.org/officeDocument/2006/relationships" xmlns:p="http://schemas.openxmlformats.org/presentationml/2006/main">
   <p:cSld>
+    <p:spTree>
+      <p:nvGrpSpPr>
+        <p:cNvPr id="1" name=""/>
+        <p:cNvGrpSpPr/>
+        <p:nvPr/>
+      </p:nvGrpSpPr>
+      <p:grpSpPr>
+        <a:xfrm>
+          <a:off x="0" y="0"/>
+          <a:ext cx="0" cy="0"/>
+          <a:chOff x="0" y="0"/>
+          <a:chExt cx="0" cy="0"/>
+        </a:xfrm>
+      </p:grpSpPr>
+      <p:pic>
+        <p:nvPicPr>
+          <p:cNvPr id="5" name="Picture 4">
+            <a:extLst>
+              <a:ext uri="{FF2B5EF4-FFF2-40B4-BE49-F238E27FC236}">
+                <a16:creationId xmlns:a16="http://schemas.microsoft.com/office/drawing/2014/main" id="{C72333A8-D57A-2D29-7245-466A08A02977}"/>
+              </a:ext>
+            </a:extLst>
+          </p:cNvPr>
+          <p:cNvPicPr>
+            <a:picLocks noChangeAspect="1"/>
+          </p:cNvPicPr>
+          <p:nvPr/>
+        </p:nvPicPr>
+        <p:blipFill>
+          <a:blip r:embed="rId2"/>
+          <a:stretch>
+            <a:fillRect/>
+          </a:stretch>
+        </p:blipFill>
+        <p:spPr>
+          <a:xfrm>
+            <a:off x="107156" y="3429000"/>
+            <a:ext cx="7980993" cy="1330166"/>
+          </a:xfrm>
+          <a:prstGeom prst="rect">
+            <a:avLst/>
+          </a:prstGeom>
+        </p:spPr>
+      </p:pic>
+      <p:pic>
+        <p:nvPicPr>
+          <p:cNvPr id="7" name="Picture 6">
+            <a:extLst>
+              <a:ext uri="{FF2B5EF4-FFF2-40B4-BE49-F238E27FC236}">
+                <a16:creationId xmlns:a16="http://schemas.microsoft.com/office/drawing/2014/main" id="{21489B17-E8C0-4237-9C01-613A018D6DF3}"/>
+              </a:ext>
+            </a:extLst>
+          </p:cNvPr>
+          <p:cNvPicPr>
+            <a:picLocks noChangeAspect="1"/>
+          </p:cNvPicPr>
+          <p:nvPr/>
+        </p:nvPicPr>
+        <p:blipFill>
+          <a:blip r:embed="rId3"/>
+          <a:stretch>
+            <a:fillRect/>
+          </a:stretch>
+        </p:blipFill>
+        <p:spPr>
+          <a:xfrm>
+            <a:off x="107156" y="4759166"/>
+            <a:ext cx="7980993" cy="1475825"/>
+          </a:xfrm>
+          <a:prstGeom prst="rect">
+            <a:avLst/>
+          </a:prstGeom>
+        </p:spPr>
+      </p:pic>
+      <p:pic>
+        <p:nvPicPr>
+          <p:cNvPr id="9" name="Picture 8">
+            <a:extLst>
+              <a:ext uri="{FF2B5EF4-FFF2-40B4-BE49-F238E27FC236}">
+                <a16:creationId xmlns:a16="http://schemas.microsoft.com/office/drawing/2014/main" id="{C7B43575-144D-CEB2-C827-294F0FD2DDB6}"/>
+              </a:ext>
+            </a:extLst>
+          </p:cNvPr>
+          <p:cNvPicPr>
+            <a:picLocks noChangeAspect="1"/>
+          </p:cNvPicPr>
+          <p:nvPr/>
+        </p:nvPicPr>
+        <p:blipFill>
+          <a:blip r:embed="rId4"/>
+          <a:stretch>
+            <a:fillRect/>
+          </a:stretch>
+        </p:blipFill>
+        <p:spPr>
+          <a:xfrm>
+            <a:off x="57151" y="2256561"/>
+            <a:ext cx="7980992" cy="1288189"/>
+          </a:xfrm>
+          <a:prstGeom prst="rect">
+            <a:avLst/>
+          </a:prstGeom>
+        </p:spPr>
+      </p:pic>
+      <p:pic>
+        <p:nvPicPr>
+          <p:cNvPr id="11" name="Picture 10">
+            <a:extLst>
+              <a:ext uri="{FF2B5EF4-FFF2-40B4-BE49-F238E27FC236}">
+                <a16:creationId xmlns:a16="http://schemas.microsoft.com/office/drawing/2014/main" id="{FE6CE096-3B22-7B1C-4668-9A7DB9BF33BA}"/>
+              </a:ext>
+            </a:extLst>
+          </p:cNvPr>
+          <p:cNvPicPr>
+            <a:picLocks noChangeAspect="1"/>
+          </p:cNvPicPr>
+          <p:nvPr/>
+        </p:nvPicPr>
+        <p:blipFill>
+          <a:blip r:embed="rId5"/>
+          <a:stretch>
+            <a:fillRect/>
+          </a:stretch>
+        </p:blipFill>
+        <p:spPr>
+          <a:xfrm>
+            <a:off x="57149" y="0"/>
+            <a:ext cx="7980994" cy="2214584"/>
+          </a:xfrm>
+          <a:prstGeom prst="rect">
+            <a:avLst/>
+          </a:prstGeom>
+        </p:spPr>
+      </p:pic>
+      <p:pic>
+        <p:nvPicPr>
+          <p:cNvPr id="13" name="Picture 12">
+            <a:extLst>
+              <a:ext uri="{FF2B5EF4-FFF2-40B4-BE49-F238E27FC236}">
+                <a16:creationId xmlns:a16="http://schemas.microsoft.com/office/drawing/2014/main" id="{2F32CAFF-E702-DC36-78F1-DE36B9F9A281}"/>
+              </a:ext>
+            </a:extLst>
+          </p:cNvPr>
+          <p:cNvPicPr>
+            <a:picLocks noChangeAspect="1"/>
+          </p:cNvPicPr>
+          <p:nvPr/>
+        </p:nvPicPr>
+        <p:blipFill>
+          <a:blip r:embed="rId6"/>
+          <a:stretch>
+            <a:fillRect/>
+          </a:stretch>
+        </p:blipFill>
+        <p:spPr>
+          <a:xfrm>
+            <a:off x="8059247" y="32755"/>
+            <a:ext cx="4082515" cy="2494305"/>
+          </a:xfrm>
+          <a:prstGeom prst="rect">
+            <a:avLst/>
+          </a:prstGeom>
+        </p:spPr>
+      </p:pic>
+      <p:sp>
+        <p:nvSpPr>
+          <p:cNvPr id="15" name="TextBox 14">
+            <a:extLst>
+              <a:ext uri="{FF2B5EF4-FFF2-40B4-BE49-F238E27FC236}">
+                <a16:creationId xmlns:a16="http://schemas.microsoft.com/office/drawing/2014/main" id="{79DD0946-D2BD-7A95-DCF7-AA5081BAAECC}"/>
+              </a:ext>
+            </a:extLst>
+          </p:cNvPr>
+          <p:cNvSpPr txBox="1"/>
+          <p:nvPr/>
+        </p:nvSpPr>
+        <p:spPr>
+          <a:xfrm>
+            <a:off x="8260914" y="5865659"/>
+            <a:ext cx="3772161" cy="646331"/>
+          </a:xfrm>
+          <a:prstGeom prst="rect">
+            <a:avLst/>
+          </a:prstGeom>
+          <a:noFill/>
+        </p:spPr>
+        <p:txBody>
+          <a:bodyPr wrap="square">
+            <a:spAutoFit/>
+          </a:bodyPr>
+          <a:lstStyle/>
+          <a:p>
+            <a:r>
+              <a:rPr lang="en-US" sz="1800" dirty="0">
+                <a:solidFill>
+                  <a:srgbClr val="FFFFFF"/>
+                </a:solidFill>
+              </a:rPr>
+              <a:t>Some implemented features</a:t>
+            </a:r>
+          </a:p>
+          <a:p>
+            <a:endParaRPr lang="en-US" dirty="0"/>
+          </a:p>
+        </p:txBody>
+      </p:sp>
+      <p:pic>
+        <p:nvPicPr>
+          <p:cNvPr id="17" name="Picture 16">
+            <a:extLst>
+              <a:ext uri="{FF2B5EF4-FFF2-40B4-BE49-F238E27FC236}">
+                <a16:creationId xmlns:a16="http://schemas.microsoft.com/office/drawing/2014/main" id="{169FBC72-74D6-0231-11AF-F6E8AFC31791}"/>
+              </a:ext>
+            </a:extLst>
+          </p:cNvPr>
+          <p:cNvPicPr>
+            <a:picLocks noChangeAspect="1"/>
+          </p:cNvPicPr>
+          <p:nvPr/>
+        </p:nvPicPr>
+        <p:blipFill>
+          <a:blip r:embed="rId7"/>
+          <a:stretch>
+            <a:fillRect/>
+          </a:stretch>
+        </p:blipFill>
+        <p:spPr>
+          <a:xfrm>
+            <a:off x="8073185" y="2527061"/>
+            <a:ext cx="4118815" cy="2112446"/>
+          </a:xfrm>
+          <a:prstGeom prst="rect">
+            <a:avLst/>
+          </a:prstGeom>
+        </p:spPr>
+      </p:pic>
+    </p:spTree>
+    <p:extLst>
+      <p:ext uri="{BB962C8B-B14F-4D97-AF65-F5344CB8AC3E}">
+        <p14:creationId xmlns:p14="http://schemas.microsoft.com/office/powerpoint/2010/main" val="3218447112"/>
+      </p:ext>
+    </p:extLst>
+  </p:cSld>
+  <p:clrMapOvr>
+    <a:masterClrMapping/>
+  </p:clrMapOvr>
+</p:sld>
+</file>
+
+<file path=ppt/slides/slide11.xml><?xml version="1.0" encoding="utf-8"?>
+<p:sld xmlns:a="http://schemas.openxmlformats.org/drawingml/2006/main" xmlns:r="http://schemas.openxmlformats.org/officeDocument/2006/relationships" xmlns:p="http://schemas.openxmlformats.org/presentationml/2006/main">
+  <p:cSld>
+    <p:spTree>
+      <p:nvGrpSpPr>
+        <p:cNvPr id="1" name=""/>
+        <p:cNvGrpSpPr/>
+        <p:nvPr/>
+      </p:nvGrpSpPr>
+      <p:grpSpPr>
+        <a:xfrm>
+          <a:off x="0" y="0"/>
+          <a:ext cx="0" cy="0"/>
+          <a:chOff x="0" y="0"/>
+          <a:chExt cx="0" cy="0"/>
+        </a:xfrm>
+      </p:grpSpPr>
+      <p:sp>
+        <p:nvSpPr>
+          <p:cNvPr id="2" name="Title 1">
+            <a:extLst>
+              <a:ext uri="{FF2B5EF4-FFF2-40B4-BE49-F238E27FC236}">
+                <a16:creationId xmlns:a16="http://schemas.microsoft.com/office/drawing/2014/main" id="{2A2079D6-A968-D829-716A-C93C1C120940}"/>
+              </a:ext>
+            </a:extLst>
+          </p:cNvPr>
+          <p:cNvSpPr>
+            <a:spLocks noGrp="1"/>
+          </p:cNvSpPr>
+          <p:nvPr>
+            <p:ph type="title"/>
+          </p:nvPr>
+        </p:nvSpPr>
+        <p:spPr/>
+        <p:txBody>
+          <a:bodyPr/>
+          <a:lstStyle/>
+          <a:p>
+            <a:r>
+              <a:rPr lang="en-US" dirty="0"/>
+              <a:t>Future work and failed attempts</a:t>
+            </a:r>
+          </a:p>
+        </p:txBody>
+      </p:sp>
+      <p:sp>
+        <p:nvSpPr>
+          <p:cNvPr id="3" name="Content Placeholder 2">
+            <a:extLst>
+              <a:ext uri="{FF2B5EF4-FFF2-40B4-BE49-F238E27FC236}">
+                <a16:creationId xmlns:a16="http://schemas.microsoft.com/office/drawing/2014/main" id="{DFC74E6E-426D-8CFE-02ED-257C041CB5C2}"/>
+              </a:ext>
+            </a:extLst>
+          </p:cNvPr>
+          <p:cNvSpPr>
+            <a:spLocks noGrp="1"/>
+          </p:cNvSpPr>
+          <p:nvPr>
+            <p:ph idx="1"/>
+          </p:nvPr>
+        </p:nvSpPr>
+        <p:spPr/>
+        <p:txBody>
+          <a:bodyPr/>
+          <a:lstStyle/>
+          <a:p>
+            <a:r>
+              <a:rPr lang="en-US" b="1" i="0" dirty="0">
+                <a:solidFill>
+                  <a:schemeClr val="tx1"/>
+                </a:solidFill>
+                <a:effectLst/>
+                <a:latin typeface="Georgia Pro Cond Light" panose="02040306050405020303" pitchFamily="18" charset="0"/>
+              </a:rPr>
+              <a:t>Trying to use </a:t>
+            </a:r>
+            <a:r>
+              <a:rPr lang="en-US" b="1" i="0" dirty="0" err="1">
+                <a:solidFill>
+                  <a:schemeClr val="tx1"/>
+                </a:solidFill>
+                <a:effectLst/>
+                <a:latin typeface="Georgia Pro Cond Light" panose="02040306050405020303" pitchFamily="18" charset="0"/>
+              </a:rPr>
+              <a:t>Sagemaker</a:t>
+            </a:r>
+            <a:r>
+              <a:rPr lang="en-US" b="1" i="0" dirty="0">
+                <a:solidFill>
+                  <a:schemeClr val="tx1"/>
+                </a:solidFill>
+                <a:effectLst/>
+                <a:latin typeface="Georgia Pro Cond Light" panose="02040306050405020303" pitchFamily="18" charset="0"/>
+              </a:rPr>
+              <a:t> endpoint to be triggere</a:t>
+            </a:r>
+            <a:r>
+              <a:rPr lang="en-US" b="1" dirty="0">
+                <a:solidFill>
+                  <a:schemeClr val="tx1"/>
+                </a:solidFill>
+                <a:latin typeface="Georgia Pro Cond Light" panose="02040306050405020303" pitchFamily="18" charset="0"/>
+              </a:rPr>
+              <a:t>d from Lambda function was a fail </a:t>
+            </a:r>
+          </a:p>
+          <a:p>
+            <a:r>
+              <a:rPr lang="en-US" b="1" dirty="0">
+                <a:solidFill>
+                  <a:schemeClr val="tx1"/>
+                </a:solidFill>
+                <a:latin typeface="Georgia Pro Cond Light" panose="02040306050405020303" pitchFamily="18" charset="0"/>
+              </a:rPr>
+              <a:t>Using Athena and Glue initially but my project did not require ETL in so much depth so modified the architecture</a:t>
+            </a:r>
+          </a:p>
+          <a:p>
+            <a:r>
+              <a:rPr lang="en-US" dirty="0"/>
+              <a:t>Played around with RDS but the cost would add up so did not end up using it</a:t>
+            </a:r>
+          </a:p>
+          <a:p>
+            <a:endParaRPr lang="en-US" dirty="0"/>
+          </a:p>
+          <a:p>
+            <a:r>
+              <a:rPr lang="en-US" dirty="0"/>
+              <a:t>Automate the pipeline using other alternative for </a:t>
+            </a:r>
+            <a:r>
+              <a:rPr lang="en-US" dirty="0" err="1"/>
+              <a:t>Lambdacl</a:t>
+            </a:r>
+            <a:endParaRPr lang="en-US" dirty="0"/>
+          </a:p>
+        </p:txBody>
+      </p:sp>
+    </p:spTree>
+    <p:extLst>
+      <p:ext uri="{BB962C8B-B14F-4D97-AF65-F5344CB8AC3E}">
+        <p14:creationId xmlns:p14="http://schemas.microsoft.com/office/powerpoint/2010/main" val="1429445845"/>
+      </p:ext>
+    </p:extLst>
+  </p:cSld>
+  <p:clrMapOvr>
+    <a:masterClrMapping/>
+  </p:clrMapOvr>
+</p:sld>
+</file>
+
+<file path=ppt/slides/slide12.xml><?xml version="1.0" encoding="utf-8"?>
+<p:sld xmlns:a="http://schemas.openxmlformats.org/drawingml/2006/main" xmlns:r="http://schemas.openxmlformats.org/officeDocument/2006/relationships" xmlns:p="http://schemas.openxmlformats.org/presentationml/2006/main">
+  <p:cSld>
+    <p:bg>
+      <p:bgPr>
+        <a:solidFill>
+          <a:schemeClr val="tx1"/>
+        </a:solidFill>
+        <a:effectLst/>
+      </p:bgPr>
+    </p:bg>
+    <p:spTree>
+      <p:nvGrpSpPr>
+        <p:cNvPr id="1" name=""/>
+        <p:cNvGrpSpPr/>
+        <p:nvPr/>
+      </p:nvGrpSpPr>
+      <p:grpSpPr>
+        <a:xfrm>
+          <a:off x="0" y="0"/>
+          <a:ext cx="0" cy="0"/>
+          <a:chOff x="0" y="0"/>
+          <a:chExt cx="0" cy="0"/>
+        </a:xfrm>
+      </p:grpSpPr>
+      <p:pic>
+        <p:nvPicPr>
+          <p:cNvPr id="5" name="Picture 4">
+            <a:extLst>
+              <a:ext uri="{FF2B5EF4-FFF2-40B4-BE49-F238E27FC236}">
+                <a16:creationId xmlns:a16="http://schemas.microsoft.com/office/drawing/2014/main" id="{E1923E38-4145-0AE1-A1AB-47D13CB7A608}"/>
+              </a:ext>
+            </a:extLst>
+          </p:cNvPr>
+          <p:cNvPicPr>
+            <a:picLocks noChangeAspect="1"/>
+          </p:cNvPicPr>
+          <p:nvPr/>
+        </p:nvPicPr>
+        <p:blipFill>
+          <a:blip r:embed="rId2"/>
+          <a:stretch>
+            <a:fillRect/>
+          </a:stretch>
+        </p:blipFill>
+        <p:spPr>
+          <a:xfrm>
+            <a:off x="1748077" y="0"/>
+            <a:ext cx="8695846" cy="6858000"/>
+          </a:xfrm>
+          <a:prstGeom prst="rect">
+            <a:avLst/>
+          </a:prstGeom>
+        </p:spPr>
+      </p:pic>
+    </p:spTree>
+    <p:extLst>
+      <p:ext uri="{BB962C8B-B14F-4D97-AF65-F5344CB8AC3E}">
+        <p14:creationId xmlns:p14="http://schemas.microsoft.com/office/powerpoint/2010/main" val="1772095660"/>
+      </p:ext>
+    </p:extLst>
+  </p:cSld>
+  <p:clrMapOvr>
+    <a:masterClrMapping/>
+  </p:clrMapOvr>
+</p:sld>
+</file>
+
+<file path=ppt/slides/slide13.xml><?xml version="1.0" encoding="utf-8"?>
+<p:sld xmlns:a="http://schemas.openxmlformats.org/drawingml/2006/main" xmlns:r="http://schemas.openxmlformats.org/officeDocument/2006/relationships" xmlns:p="http://schemas.openxmlformats.org/presentationml/2006/main">
+  <p:cSld>
     <p:bg>
       <p:bgPr>
         <a:solidFill>
@@ -8290,7 +8770,7 @@
 </p:sld>
 </file>
 
-<file path=ppt/slides/slide11.xml><?xml version="1.0" encoding="utf-8"?>
+<file path=ppt/slides/slide14.xml><?xml version="1.0" encoding="utf-8"?>
 <p:sld xmlns:a="http://schemas.openxmlformats.org/drawingml/2006/main" xmlns:r="http://schemas.openxmlformats.org/officeDocument/2006/relationships" xmlns:p="http://schemas.openxmlformats.org/presentationml/2006/main">
   <p:cSld>
     <p:bg>
@@ -8569,7 +9049,7 @@
 </p:sld>
 </file>
 
-<file path=ppt/slides/slide12.xml><?xml version="1.0" encoding="utf-8"?>
+<file path=ppt/slides/slide15.xml><?xml version="1.0" encoding="utf-8"?>
 <p:sld xmlns:a="http://schemas.openxmlformats.org/drawingml/2006/main" xmlns:r="http://schemas.openxmlformats.org/officeDocument/2006/relationships" xmlns:p="http://schemas.openxmlformats.org/presentationml/2006/main">
   <p:cSld>
     <p:spTree>
